--- a/slides/p3103-slides.pptx
+++ b/slides/p3103-slides.pptx
@@ -205,7 +205,7 @@
           <a:p>
             <a:fld id="{CD962821-9FDB-4417-B8B3-21108CBE3224}" type="datetimeFigureOut">
               <a:rPr lang="en-DE" smtClean="0"/>
-              <a:t>5 Mar 2024</a:t>
+              <a:t>03/18/2024</a:t>
             </a:fld>
             <a:endParaRPr lang="en-DE"/>
           </a:p>
@@ -604,7 +604,7 @@
           <a:p>
             <a:fld id="{2434BD09-B586-496D-A7C7-4A6458ECB1EF}" type="datetime8">
               <a:rPr lang="en-DE" smtClean="0"/>
-              <a:t>5 Mar 2024 11:28</a:t>
+              <a:t>03/18/2024 00:29</a:t>
             </a:fld>
             <a:endParaRPr lang="en-DE"/>
           </a:p>
@@ -775,7 +775,7 @@
           <a:p>
             <a:fld id="{2434BD09-B586-496D-A7C7-4A6458ECB1EF}" type="datetime8">
               <a:rPr lang="en-DE" smtClean="0"/>
-              <a:t>5 Mar 2024 11:28</a:t>
+              <a:t>03/18/2024 00:29</a:t>
             </a:fld>
             <a:endParaRPr lang="en-DE"/>
           </a:p>
@@ -956,7 +956,7 @@
           <a:p>
             <a:fld id="{2434BD09-B586-496D-A7C7-4A6458ECB1EF}" type="datetime8">
               <a:rPr lang="en-DE" smtClean="0"/>
-              <a:t>5 Mar 2024 11:28</a:t>
+              <a:t>03/18/2024 00:29</a:t>
             </a:fld>
             <a:endParaRPr lang="en-DE"/>
           </a:p>
@@ -1127,7 +1127,7 @@
           <a:p>
             <a:fld id="{2434BD09-B586-496D-A7C7-4A6458ECB1EF}" type="datetime8">
               <a:rPr lang="en-DE" smtClean="0"/>
-              <a:t>5 Mar 2024 11:28</a:t>
+              <a:t>03/18/2024 00:29</a:t>
             </a:fld>
             <a:endParaRPr lang="en-DE"/>
           </a:p>
@@ -1374,7 +1374,7 @@
           <a:p>
             <a:fld id="{2434BD09-B586-496D-A7C7-4A6458ECB1EF}" type="datetime8">
               <a:rPr lang="en-DE" smtClean="0"/>
-              <a:t>5 Mar 2024 11:28</a:t>
+              <a:t>03/18/2024 00:29</a:t>
             </a:fld>
             <a:endParaRPr lang="en-DE"/>
           </a:p>
@@ -1607,7 +1607,7 @@
           <a:p>
             <a:fld id="{2434BD09-B586-496D-A7C7-4A6458ECB1EF}" type="datetime8">
               <a:rPr lang="en-DE" smtClean="0"/>
-              <a:t>5 Mar 2024 11:28</a:t>
+              <a:t>03/18/2024 00:29</a:t>
             </a:fld>
             <a:endParaRPr lang="en-DE"/>
           </a:p>
@@ -1975,7 +1975,7 @@
           <a:p>
             <a:fld id="{2434BD09-B586-496D-A7C7-4A6458ECB1EF}" type="datetime8">
               <a:rPr lang="en-DE" smtClean="0"/>
-              <a:t>5 Mar 2024 11:28</a:t>
+              <a:t>03/18/2024 00:29</a:t>
             </a:fld>
             <a:endParaRPr lang="en-DE"/>
           </a:p>
@@ -2094,7 +2094,7 @@
           <a:p>
             <a:fld id="{2434BD09-B586-496D-A7C7-4A6458ECB1EF}" type="datetime8">
               <a:rPr lang="en-DE" smtClean="0"/>
-              <a:t>5 Mar 2024 11:28</a:t>
+              <a:t>03/18/2024 00:29</a:t>
             </a:fld>
             <a:endParaRPr lang="en-DE"/>
           </a:p>
@@ -2190,7 +2190,7 @@
           <a:p>
             <a:fld id="{2434BD09-B586-496D-A7C7-4A6458ECB1EF}" type="datetime8">
               <a:rPr lang="en-DE" smtClean="0"/>
-              <a:t>5 Mar 2024 11:28</a:t>
+              <a:t>03/18/2024 00:29</a:t>
             </a:fld>
             <a:endParaRPr lang="en-DE"/>
           </a:p>
@@ -2468,7 +2468,7 @@
           <a:p>
             <a:fld id="{2434BD09-B586-496D-A7C7-4A6458ECB1EF}" type="datetime8">
               <a:rPr lang="en-DE" smtClean="0"/>
-              <a:t>5 Mar 2024 11:28</a:t>
+              <a:t>03/18/2024 00:29</a:t>
             </a:fld>
             <a:endParaRPr lang="en-DE"/>
           </a:p>
@@ -2726,7 +2726,7 @@
           <a:p>
             <a:fld id="{2434BD09-B586-496D-A7C7-4A6458ECB1EF}" type="datetime8">
               <a:rPr lang="en-DE" smtClean="0"/>
-              <a:t>5 Mar 2024 11:28</a:t>
+              <a:t>03/18/2024 00:29</a:t>
             </a:fld>
             <a:endParaRPr lang="en-DE"/>
           </a:p>
@@ -2940,7 +2940,7 @@
           <a:p>
             <a:fld id="{2434BD09-B586-496D-A7C7-4A6458ECB1EF}" type="datetime8">
               <a:rPr lang="en-DE" smtClean="0"/>
-              <a:t>5 Mar 2024 11:28</a:t>
+              <a:t>03/18/2024 00:29</a:t>
             </a:fld>
             <a:endParaRPr lang="en-DE"/>
           </a:p>
@@ -6476,7 +6476,7 @@
           <p:nvPr>
             <p:extLst>
               <p:ext uri="{D42A27DB-BD31-4B8C-83A1-F6EECF244321}">
-                <p14:modId xmlns:p14="http://schemas.microsoft.com/office/powerpoint/2010/main" val="434295334"/>
+                <p14:modId xmlns:p14="http://schemas.microsoft.com/office/powerpoint/2010/main" val="43107287"/>
               </p:ext>
             </p:extLst>
           </p:nvPr>
@@ -7032,8 +7032,20 @@
                         <a:rPr lang="de-DE" sz="2000">
                           <a:latin typeface="Aptos Mono" panose="020B0009020202020204" pitchFamily="49" charset="0"/>
                         </a:rPr>
-                        <a:t>)</a:t>
+                        <a:t>) </a:t>
                       </a:r>
+                      <a:r>
+                        <a:rPr lang="de-DE" sz="2000">
+                          <a:solidFill>
+                            <a:srgbClr val="C00000"/>
+                          </a:solidFill>
+                          <a:latin typeface="Aptos Mono" panose="020B0009020202020204" pitchFamily="49" charset="0"/>
+                        </a:rPr>
+                        <a:t>noexcept</a:t>
+                      </a:r>
+                      <a:endParaRPr lang="de-DE" sz="2000">
+                        <a:latin typeface="Aptos Mono" panose="020B0009020202020204" pitchFamily="49" charset="0"/>
+                      </a:endParaRPr>
                     </a:p>
                   </a:txBody>
                   <a:tcPr/>
@@ -7141,7 +7153,16 @@
                         <a:rPr lang="de-DE" sz="2000">
                           <a:latin typeface="Aptos Mono" panose="020B0009020202020204" pitchFamily="49" charset="0"/>
                         </a:rPr>
-                        <a:t>)</a:t>
+                        <a:t>) </a:t>
+                      </a:r>
+                      <a:r>
+                        <a:rPr lang="de-DE" sz="2000">
+                          <a:solidFill>
+                            <a:srgbClr val="C00000"/>
+                          </a:solidFill>
+                          <a:latin typeface="Aptos Mono" panose="020B0009020202020204" pitchFamily="49" charset="0"/>
+                        </a:rPr>
+                        <a:t>noexcept</a:t>
                       </a:r>
                       <a:endParaRPr lang="en-DE" sz="2000">
                         <a:latin typeface="Aptos Mono" panose="020B0009020202020204" pitchFamily="49" charset="0"/>
